--- a/report/SAT_simulation.pptx
+++ b/report/SAT_simulation.pptx
@@ -105,6 +105,11 @@
       </a:defRPr>
     </a:lvl9pPr>
   </p:defaultTextStyle>
+  <p:extLst>
+    <p:ext uri="{EFAFB233-063F-42B5-8137-9DF3F51BA10A}">
+      <p15:sldGuideLst xmlns:p15="http://schemas.microsoft.com/office/powerpoint/2012/main"/>
+    </p:ext>
+  </p:extLst>
 </p:presentation>
 </file>
 
@@ -239,7 +244,7 @@
           <a:p>
             <a:fld id="{DB0CF7EA-2982-4E6A-965D-2CD67064A432}" type="datetimeFigureOut">
               <a:rPr lang="en-GB" smtClean="0"/>
-              <a:t>04/11/2024</a:t>
+              <a:t>11/11/2024</a:t>
             </a:fld>
             <a:endParaRPr lang="en-GB"/>
           </a:p>
@@ -409,7 +414,7 @@
           <a:p>
             <a:fld id="{DB0CF7EA-2982-4E6A-965D-2CD67064A432}" type="datetimeFigureOut">
               <a:rPr lang="en-GB" smtClean="0"/>
-              <a:t>04/11/2024</a:t>
+              <a:t>11/11/2024</a:t>
             </a:fld>
             <a:endParaRPr lang="en-GB"/>
           </a:p>
@@ -589,7 +594,7 @@
           <a:p>
             <a:fld id="{DB0CF7EA-2982-4E6A-965D-2CD67064A432}" type="datetimeFigureOut">
               <a:rPr lang="en-GB" smtClean="0"/>
-              <a:t>04/11/2024</a:t>
+              <a:t>11/11/2024</a:t>
             </a:fld>
             <a:endParaRPr lang="en-GB"/>
           </a:p>
@@ -759,7 +764,7 @@
           <a:p>
             <a:fld id="{DB0CF7EA-2982-4E6A-965D-2CD67064A432}" type="datetimeFigureOut">
               <a:rPr lang="en-GB" smtClean="0"/>
-              <a:t>04/11/2024</a:t>
+              <a:t>11/11/2024</a:t>
             </a:fld>
             <a:endParaRPr lang="en-GB"/>
           </a:p>
@@ -1005,7 +1010,7 @@
           <a:p>
             <a:fld id="{DB0CF7EA-2982-4E6A-965D-2CD67064A432}" type="datetimeFigureOut">
               <a:rPr lang="en-GB" smtClean="0"/>
-              <a:t>04/11/2024</a:t>
+              <a:t>11/11/2024</a:t>
             </a:fld>
             <a:endParaRPr lang="en-GB"/>
           </a:p>
@@ -1237,7 +1242,7 @@
           <a:p>
             <a:fld id="{DB0CF7EA-2982-4E6A-965D-2CD67064A432}" type="datetimeFigureOut">
               <a:rPr lang="en-GB" smtClean="0"/>
-              <a:t>04/11/2024</a:t>
+              <a:t>11/11/2024</a:t>
             </a:fld>
             <a:endParaRPr lang="en-GB"/>
           </a:p>
@@ -1604,7 +1609,7 @@
           <a:p>
             <a:fld id="{DB0CF7EA-2982-4E6A-965D-2CD67064A432}" type="datetimeFigureOut">
               <a:rPr lang="en-GB" smtClean="0"/>
-              <a:t>04/11/2024</a:t>
+              <a:t>11/11/2024</a:t>
             </a:fld>
             <a:endParaRPr lang="en-GB"/>
           </a:p>
@@ -1722,7 +1727,7 @@
           <a:p>
             <a:fld id="{DB0CF7EA-2982-4E6A-965D-2CD67064A432}" type="datetimeFigureOut">
               <a:rPr lang="en-GB" smtClean="0"/>
-              <a:t>04/11/2024</a:t>
+              <a:t>11/11/2024</a:t>
             </a:fld>
             <a:endParaRPr lang="en-GB"/>
           </a:p>
@@ -1817,7 +1822,7 @@
           <a:p>
             <a:fld id="{DB0CF7EA-2982-4E6A-965D-2CD67064A432}" type="datetimeFigureOut">
               <a:rPr lang="en-GB" smtClean="0"/>
-              <a:t>04/11/2024</a:t>
+              <a:t>11/11/2024</a:t>
             </a:fld>
             <a:endParaRPr lang="en-GB"/>
           </a:p>
@@ -2094,7 +2099,7 @@
           <a:p>
             <a:fld id="{DB0CF7EA-2982-4E6A-965D-2CD67064A432}" type="datetimeFigureOut">
               <a:rPr lang="en-GB" smtClean="0"/>
-              <a:t>04/11/2024</a:t>
+              <a:t>11/11/2024</a:t>
             </a:fld>
             <a:endParaRPr lang="en-GB"/>
           </a:p>
@@ -2351,7 +2356,7 @@
           <a:p>
             <a:fld id="{DB0CF7EA-2982-4E6A-965D-2CD67064A432}" type="datetimeFigureOut">
               <a:rPr lang="en-GB" smtClean="0"/>
-              <a:t>04/11/2024</a:t>
+              <a:t>11/11/2024</a:t>
             </a:fld>
             <a:endParaRPr lang="en-GB"/>
           </a:p>
@@ -2564,7 +2569,7 @@
           <a:p>
             <a:fld id="{DB0CF7EA-2982-4E6A-965D-2CD67064A432}" type="datetimeFigureOut">
               <a:rPr lang="en-GB" smtClean="0"/>
-              <a:t>04/11/2024</a:t>
+              <a:t>11/11/2024</a:t>
             </a:fld>
             <a:endParaRPr lang="en-GB"/>
           </a:p>
@@ -2983,7 +2988,7 @@
         </p:nvSpPr>
         <p:spPr>
           <a:xfrm>
-            <a:off x="898525" y="990600"/>
+            <a:off x="749300" y="1225550"/>
             <a:ext cx="7346950" cy="954107"/>
           </a:xfrm>
           <a:prstGeom prst="rect">
@@ -2999,11 +3004,7 @@
           <a:p>
             <a:pPr algn="ctr"/>
             <a:r>
-              <a:rPr lang="en-GB" sz="2800" b="1" dirty="0">
-                <a:solidFill>
-                  <a:srgbClr val="0070C0"/>
-                </a:solidFill>
-              </a:rPr>
+              <a:rPr lang="en-GB" sz="2800" b="1" dirty="0"/>
               <a:t>Small Aperture Telescope Optics Simulations</a:t>
             </a:r>
           </a:p>
@@ -3023,7 +3024,7 @@
         </p:nvSpPr>
         <p:spPr>
           <a:xfrm>
-            <a:off x="1638300" y="3989169"/>
+            <a:off x="3006725" y="2782669"/>
             <a:ext cx="5340350" cy="646331"/>
           </a:xfrm>
           <a:prstGeom prst="rect">
@@ -3042,7 +3043,15 @@
             </a:pPr>
             <a:r>
               <a:rPr lang="en-GB" dirty="0"/>
-              <a:t>Lens-only Optics analysis in GRASP;</a:t>
+              <a:t>PO analysis </a:t>
+            </a:r>
+            <a:r>
+              <a:rPr lang="en-US" altLang="zh-CN" dirty="0"/>
+              <a:t>using</a:t>
+            </a:r>
+            <a:r>
+              <a:rPr lang="en-GB" dirty="0"/>
+              <a:t> GRASP;</a:t>
             </a:r>
           </a:p>
           <a:p>
@@ -3051,7 +3060,7 @@
             </a:pPr>
             <a:r>
               <a:rPr lang="en-GB" dirty="0"/>
-              <a:t>Physical Optics Propagation method in </a:t>
+              <a:t>POP analysis in </a:t>
             </a:r>
             <a:r>
               <a:rPr lang="en-GB" dirty="0" err="1"/>
@@ -3108,7 +3117,7 @@
         </p:nvSpPr>
         <p:spPr>
           <a:xfrm>
-            <a:off x="584200" y="533400"/>
+            <a:off x="577850" y="444500"/>
             <a:ext cx="3829050" cy="369332"/>
           </a:xfrm>
           <a:prstGeom prst="rect">
@@ -3147,8 +3156,8 @@
         </p:nvSpPr>
         <p:spPr>
           <a:xfrm>
-            <a:off x="711200" y="902732"/>
-            <a:ext cx="4794250" cy="369332"/>
+            <a:off x="831850" y="813832"/>
+            <a:ext cx="4794250" cy="646331"/>
           </a:xfrm>
           <a:prstGeom prst="rect">
             <a:avLst/>
@@ -3163,17 +3172,27 @@
           <a:p>
             <a:r>
               <a:rPr lang="en-GB" dirty="0"/>
-              <a:t>The simplest and most critical model</a:t>
+              <a:t>The simplest and most critical components.</a:t>
+            </a:r>
+          </a:p>
+          <a:p>
+            <a:pPr marL="285750" indent="-285750">
+              <a:buFont typeface="Arial" panose="020B0604020202020204" pitchFamily="34" charset="0"/>
+              <a:buChar char="•"/>
+            </a:pPr>
+            <a:r>
+              <a:rPr lang="en-GB" dirty="0"/>
+              <a:t>No anti-reflection coating</a:t>
             </a:r>
           </a:p>
         </p:txBody>
       </p:sp>
       <p:pic>
         <p:nvPicPr>
-          <p:cNvPr id="6" name="Picture 5">
+          <p:cNvPr id="2" name="Picture 1">
             <a:extLst>
               <a:ext uri="{FF2B5EF4-FFF2-40B4-BE49-F238E27FC236}">
-                <a16:creationId xmlns:a16="http://schemas.microsoft.com/office/drawing/2014/main" id="{FBFE0052-2E91-9BAB-608E-44998DADEDD9}"/>
+                <a16:creationId xmlns:a16="http://schemas.microsoft.com/office/drawing/2014/main" id="{B653DAC9-2F01-B3A4-6FA9-7903ADD0A56C}"/>
               </a:ext>
             </a:extLst>
           </p:cNvPr>
@@ -3190,8 +3209,8 @@
         </p:blipFill>
         <p:spPr>
           <a:xfrm>
-            <a:off x="584200" y="1522968"/>
-            <a:ext cx="4381500" cy="2066655"/>
+            <a:off x="1730386" y="1460163"/>
+            <a:ext cx="5147662" cy="2430443"/>
           </a:xfrm>
           <a:prstGeom prst="rect">
             <a:avLst/>
